--- a/#1 세미나/Smart Mirror_2018_02_15.pptx
+++ b/#1 세미나/Smart Mirror_2018_02_15.pptx
@@ -257,7 +257,7 @@
           <a:p>
             <a:fld id="{AE3E7F7C-AA61-4AF2-9ADF-0BC1D70C6A66}" type="datetimeFigureOut">
               <a:rPr lang="ko-KR" altLang="en-US" smtClean="0"/>
-              <a:t>2018-02-06</a:t>
+              <a:t>2018-02-27</a:t>
             </a:fld>
             <a:endParaRPr lang="ko-KR" altLang="en-US"/>
           </a:p>
@@ -427,7 +427,7 @@
           <a:p>
             <a:fld id="{AE3E7F7C-AA61-4AF2-9ADF-0BC1D70C6A66}" type="datetimeFigureOut">
               <a:rPr lang="ko-KR" altLang="en-US" smtClean="0"/>
-              <a:t>2018-02-06</a:t>
+              <a:t>2018-02-27</a:t>
             </a:fld>
             <a:endParaRPr lang="ko-KR" altLang="en-US"/>
           </a:p>
@@ -607,7 +607,7 @@
           <a:p>
             <a:fld id="{AE3E7F7C-AA61-4AF2-9ADF-0BC1D70C6A66}" type="datetimeFigureOut">
               <a:rPr lang="ko-KR" altLang="en-US" smtClean="0"/>
-              <a:t>2018-02-06</a:t>
+              <a:t>2018-02-27</a:t>
             </a:fld>
             <a:endParaRPr lang="ko-KR" altLang="en-US"/>
           </a:p>
@@ -777,7 +777,7 @@
           <a:p>
             <a:fld id="{AE3E7F7C-AA61-4AF2-9ADF-0BC1D70C6A66}" type="datetimeFigureOut">
               <a:rPr lang="ko-KR" altLang="en-US" smtClean="0"/>
-              <a:t>2018-02-06</a:t>
+              <a:t>2018-02-27</a:t>
             </a:fld>
             <a:endParaRPr lang="ko-KR" altLang="en-US"/>
           </a:p>
@@ -1021,7 +1021,7 @@
           <a:p>
             <a:fld id="{AE3E7F7C-AA61-4AF2-9ADF-0BC1D70C6A66}" type="datetimeFigureOut">
               <a:rPr lang="ko-KR" altLang="en-US" smtClean="0"/>
-              <a:t>2018-02-06</a:t>
+              <a:t>2018-02-27</a:t>
             </a:fld>
             <a:endParaRPr lang="ko-KR" altLang="en-US"/>
           </a:p>
@@ -1253,7 +1253,7 @@
           <a:p>
             <a:fld id="{AE3E7F7C-AA61-4AF2-9ADF-0BC1D70C6A66}" type="datetimeFigureOut">
               <a:rPr lang="ko-KR" altLang="en-US" smtClean="0"/>
-              <a:t>2018-02-06</a:t>
+              <a:t>2018-02-27</a:t>
             </a:fld>
             <a:endParaRPr lang="ko-KR" altLang="en-US"/>
           </a:p>
@@ -1620,7 +1620,7 @@
           <a:p>
             <a:fld id="{AE3E7F7C-AA61-4AF2-9ADF-0BC1D70C6A66}" type="datetimeFigureOut">
               <a:rPr lang="ko-KR" altLang="en-US" smtClean="0"/>
-              <a:t>2018-02-06</a:t>
+              <a:t>2018-02-27</a:t>
             </a:fld>
             <a:endParaRPr lang="ko-KR" altLang="en-US"/>
           </a:p>
@@ -1738,7 +1738,7 @@
           <a:p>
             <a:fld id="{AE3E7F7C-AA61-4AF2-9ADF-0BC1D70C6A66}" type="datetimeFigureOut">
               <a:rPr lang="ko-KR" altLang="en-US" smtClean="0"/>
-              <a:t>2018-02-06</a:t>
+              <a:t>2018-02-27</a:t>
             </a:fld>
             <a:endParaRPr lang="ko-KR" altLang="en-US"/>
           </a:p>
@@ -1833,7 +1833,7 @@
           <a:p>
             <a:fld id="{AE3E7F7C-AA61-4AF2-9ADF-0BC1D70C6A66}" type="datetimeFigureOut">
               <a:rPr lang="ko-KR" altLang="en-US" smtClean="0"/>
-              <a:t>2018-02-06</a:t>
+              <a:t>2018-02-27</a:t>
             </a:fld>
             <a:endParaRPr lang="ko-KR" altLang="en-US"/>
           </a:p>
@@ -2110,7 +2110,7 @@
           <a:p>
             <a:fld id="{AE3E7F7C-AA61-4AF2-9ADF-0BC1D70C6A66}" type="datetimeFigureOut">
               <a:rPr lang="ko-KR" altLang="en-US" smtClean="0"/>
-              <a:t>2018-02-06</a:t>
+              <a:t>2018-02-27</a:t>
             </a:fld>
             <a:endParaRPr lang="ko-KR" altLang="en-US"/>
           </a:p>
@@ -2367,7 +2367,7 @@
           <a:p>
             <a:fld id="{AE3E7F7C-AA61-4AF2-9ADF-0BC1D70C6A66}" type="datetimeFigureOut">
               <a:rPr lang="ko-KR" altLang="en-US" smtClean="0"/>
-              <a:t>2018-02-06</a:t>
+              <a:t>2018-02-27</a:t>
             </a:fld>
             <a:endParaRPr lang="ko-KR" altLang="en-US"/>
           </a:p>
@@ -2580,7 +2580,7 @@
           <a:p>
             <a:fld id="{AE3E7F7C-AA61-4AF2-9ADF-0BC1D70C6A66}" type="datetimeFigureOut">
               <a:rPr lang="ko-KR" altLang="en-US" smtClean="0"/>
-              <a:t>2018-02-06</a:t>
+              <a:t>2018-02-27</a:t>
             </a:fld>
             <a:endParaRPr lang="ko-KR" altLang="en-US"/>
           </a:p>
@@ -3369,48 +3369,6 @@
       </p:cxnSp>
       <p:sp>
         <p:nvSpPr>
-          <p:cNvPr id="5" name="TextBox 4">
-            <a:extLst>
-              <a:ext uri="{FF2B5EF4-FFF2-40B4-BE49-F238E27FC236}">
-                <a16:creationId xmlns:a16="http://schemas.microsoft.com/office/drawing/2014/main" id="{DB2FA6F5-2630-49A7-82FA-1475F608E7A9}"/>
-              </a:ext>
-            </a:extLst>
-          </p:cNvPr>
-          <p:cNvSpPr txBox="1"/>
-          <p:nvPr/>
-        </p:nvSpPr>
-        <p:spPr>
-          <a:xfrm>
-            <a:off x="425885" y="1390751"/>
-            <a:ext cx="2167003" cy="400110"/>
-          </a:xfrm>
-          <a:prstGeom prst="rect">
-            <a:avLst/>
-          </a:prstGeom>
-          <a:noFill/>
-        </p:spPr>
-        <p:txBody>
-          <a:bodyPr wrap="square" rtlCol="0">
-            <a:spAutoFit/>
-          </a:bodyPr>
-          <a:lstStyle/>
-          <a:p>
-            <a:r>
-              <a:rPr lang="ko-KR" altLang="en-US" sz="2000" dirty="0" err="1">
-                <a:latin typeface="+mj-ea"/>
-                <a:ea typeface="+mj-ea"/>
-              </a:rPr>
-              <a:t>방학중</a:t>
-            </a:r>
-            <a:endParaRPr lang="ko-KR" altLang="en-US" sz="2000" dirty="0">
-              <a:latin typeface="+mj-ea"/>
-              <a:ea typeface="+mj-ea"/>
-            </a:endParaRPr>
-          </a:p>
-        </p:txBody>
-      </p:sp>
-      <p:sp>
-        <p:nvSpPr>
           <p:cNvPr id="7" name="더하기 기호 6">
             <a:extLst>
               <a:ext uri="{FF2B5EF4-FFF2-40B4-BE49-F238E27FC236}">
@@ -3656,48 +3614,6 @@
           </a:fontRef>
         </p:style>
       </p:cxnSp>
-      <p:sp>
-        <p:nvSpPr>
-          <p:cNvPr id="5" name="TextBox 4">
-            <a:extLst>
-              <a:ext uri="{FF2B5EF4-FFF2-40B4-BE49-F238E27FC236}">
-                <a16:creationId xmlns:a16="http://schemas.microsoft.com/office/drawing/2014/main" id="{DB2FA6F5-2630-49A7-82FA-1475F608E7A9}"/>
-              </a:ext>
-            </a:extLst>
-          </p:cNvPr>
-          <p:cNvSpPr txBox="1"/>
-          <p:nvPr/>
-        </p:nvSpPr>
-        <p:spPr>
-          <a:xfrm>
-            <a:off x="425885" y="1390751"/>
-            <a:ext cx="2167003" cy="400110"/>
-          </a:xfrm>
-          <a:prstGeom prst="rect">
-            <a:avLst/>
-          </a:prstGeom>
-          <a:noFill/>
-        </p:spPr>
-        <p:txBody>
-          <a:bodyPr wrap="square" rtlCol="0">
-            <a:spAutoFit/>
-          </a:bodyPr>
-          <a:lstStyle/>
-          <a:p>
-            <a:r>
-              <a:rPr lang="ko-KR" altLang="en-US" sz="2000" dirty="0" err="1">
-                <a:latin typeface="+mj-ea"/>
-                <a:ea typeface="+mj-ea"/>
-              </a:rPr>
-              <a:t>학기중</a:t>
-            </a:r>
-            <a:endParaRPr lang="ko-KR" altLang="en-US" sz="2000" dirty="0">
-              <a:latin typeface="+mj-ea"/>
-              <a:ea typeface="+mj-ea"/>
-            </a:endParaRPr>
-          </a:p>
-        </p:txBody>
-      </p:sp>
       <p:pic>
         <p:nvPicPr>
           <p:cNvPr id="8" name="그림 7">
